--- a/slides/04_search_with_uncertainty_discussion.pptx
+++ b/slides/04_search_with_uncertainty_discussion.pptx
@@ -6134,7 +6134,7 @@
             <a:fld id="{46E2045A-045A-4BC7-A4D3-1395440B1C3D}" type="datetimeFigureOut">
               <a:rPr lang="en-US" smtClean="0"/>
               <a:pPr/>
-              <a:t>9/25/2025</a:t>
+              <a:t>10/23/2025</a:t>
             </a:fld>
             <a:endParaRPr lang="en-US"/>
           </a:p>
@@ -14167,7 +14167,15 @@
             </a:pPr>
             <a:r>
               <a:rPr lang="en-US" dirty="0"/>
-              <a:t>Use an AND-OR tree to create a conditional plan</a:t>
+              <a:t>Use an AND-OR tree on </a:t>
+            </a:r>
+            <a:r>
+              <a:rPr lang="en-US" b="1" dirty="0"/>
+              <a:t>belief states </a:t>
+            </a:r>
+            <a:r>
+              <a:rPr lang="en-US" dirty="0"/>
+              <a:t>to create a conditional plan</a:t>
             </a:r>
           </a:p>
         </p:txBody>
@@ -20623,10 +20631,10 @@
         </p:nvGrpSpPr>
         <p:grpSpPr>
           <a:xfrm>
-            <a:off x="3177839" y="1807065"/>
-            <a:ext cx="5623847" cy="4716290"/>
-            <a:chOff x="3177839" y="1807065"/>
-            <a:chExt cx="5623847" cy="4716290"/>
+            <a:off x="3177839" y="1600200"/>
+            <a:ext cx="5623847" cy="4923155"/>
+            <a:chOff x="3177839" y="1600200"/>
+            <a:chExt cx="5623847" cy="4923155"/>
           </a:xfrm>
         </p:grpSpPr>
         <p:grpSp>
@@ -20643,10 +20651,10 @@
           </p:nvGrpSpPr>
           <p:grpSpPr>
             <a:xfrm>
-              <a:off x="3177839" y="1807065"/>
-              <a:ext cx="5623847" cy="4716290"/>
-              <a:chOff x="1353736" y="2490239"/>
-              <a:chExt cx="4970864" cy="4106689"/>
+              <a:off x="3177839" y="1600200"/>
+              <a:ext cx="5623847" cy="4923155"/>
+              <a:chOff x="1353736" y="2310112"/>
+              <a:chExt cx="4970864" cy="4286816"/>
             </a:xfrm>
           </p:grpSpPr>
           <p:grpSp>
@@ -20972,13 +20980,13 @@
             </p:nvSpPr>
             <p:spPr>
               <a:xfrm>
-                <a:off x="4647708" y="2490239"/>
-                <a:ext cx="1674521" cy="369332"/>
+                <a:off x="4404537" y="2310112"/>
+                <a:ext cx="1917692" cy="549459"/>
               </a:xfrm>
               <a:prstGeom prst="wedgeRoundRectCallout">
                 <a:avLst>
-                  <a:gd name="adj1" fmla="val -69979"/>
-                  <a:gd name="adj2" fmla="val 260586"/>
+                  <a:gd name="adj1" fmla="val -55439"/>
+                  <a:gd name="adj2" fmla="val 184509"/>
                   <a:gd name="adj3" fmla="val 16667"/>
                 </a:avLst>
               </a:prstGeom>
@@ -21005,10 +21013,13 @@
               <a:p>
                 <a:pPr algn="ctr"/>
                 <a:r>
-                  <a:rPr lang="en-US" dirty="0" err="1"/>
-                  <a:t>unbacktracked</a:t>
+                  <a:rPr lang="en-US" sz="1400" dirty="0" err="1"/>
+                  <a:t>Unbacktracked</a:t>
                 </a:r>
-                <a:endParaRPr lang="en-US" dirty="0"/>
+                <a:r>
+                  <a:rPr lang="en-US" sz="1400" dirty="0"/>
+                  <a:t> (= current path on a stack)</a:t>
+                </a:r>
               </a:p>
             </p:txBody>
           </p:sp>
@@ -22004,7 +22015,7 @@
         </p:spPr>
         <p:txBody>
           <a:bodyPr>
-            <a:normAutofit/>
+            <a:normAutofit fontScale="92500"/>
           </a:bodyPr>
           <a:lstStyle/>
           <a:p>
@@ -22030,7 +22041,15 @@
             </a:pPr>
             <a:r>
               <a:rPr lang="en-US" sz="1700" dirty="0"/>
-              <a:t> a conditional plan (also called a strategy or policy), and</a:t>
+              <a:t> a </a:t>
+            </a:r>
+            <a:r>
+              <a:rPr lang="en-US" sz="1700" b="1" dirty="0"/>
+              <a:t>conditional plan </a:t>
+            </a:r>
+            <a:r>
+              <a:rPr lang="en-US" sz="1700" dirty="0"/>
+              <a:t>(also called a strategy or policy), and</a:t>
             </a:r>
           </a:p>
           <a:p>
@@ -22039,14 +22058,26 @@
               <a:buAutoNum type="alphaLcPeriod"/>
             </a:pPr>
             <a:r>
+              <a:rPr lang="en-US" sz="1700" b="1" dirty="0"/>
+              <a:t>exploration</a:t>
+            </a:r>
+            <a:r>
               <a:rPr lang="en-US" sz="1700" dirty="0"/>
-              <a:t>exploration.</a:t>
+              <a:t>.</a:t>
             </a:r>
           </a:p>
           <a:p>
             <a:r>
               <a:rPr lang="en-US" sz="1700" dirty="0"/>
-              <a:t>What are belief states?</a:t>
+              <a:t>What are </a:t>
+            </a:r>
+            <a:r>
+              <a:rPr lang="en-US" sz="1700" b="1" dirty="0"/>
+              <a:t>belief states</a:t>
+            </a:r>
+            <a:r>
+              <a:rPr lang="en-US" sz="1700" dirty="0"/>
+              <a:t>?</a:t>
             </a:r>
           </a:p>
           <a:p>
@@ -22058,13 +22089,27 @@
           <a:p>
             <a:r>
               <a:rPr lang="en-US" sz="1700" dirty="0"/>
-              <a:t>How actions and observations can be used to learn about the state: State estimation with repeated predict and update steps.</a:t>
+              <a:t>How actions and observations (from </a:t>
+            </a:r>
+            <a:r>
+              <a:rPr lang="en-US" sz="1700" b="1" dirty="0"/>
+              <a:t>percept functions</a:t>
+            </a:r>
+            <a:r>
+              <a:rPr lang="en-US" sz="1700" dirty="0"/>
+              <a:t>) can be used to learn about the state: State estimation with repeated predict and update steps.</a:t>
             </a:r>
           </a:p>
           <a:p>
             <a:r>
               <a:rPr lang="en-US" sz="1700" dirty="0"/>
               <a:t>The use of AND-OR trees to solve small problems.</a:t>
+            </a:r>
+          </a:p>
+          <a:p>
+            <a:r>
+              <a:rPr lang="en-US" sz="1700" dirty="0"/>
+              <a:t>Large problems are hard!</a:t>
             </a:r>
           </a:p>
           <a:p>
@@ -22511,6 +22556,55 @@
                                           <p:spTgt spid="3">
                                             <p:txEl>
                                               <p:pRg st="7" end="7"/>
+                                            </p:txEl>
+                                          </p:spTgt>
+                                        </p:tgtEl>
+                                        <p:attrNameLst>
+                                          <p:attrName>style.visibility</p:attrName>
+                                        </p:attrNameLst>
+                                      </p:cBhvr>
+                                      <p:to>
+                                        <p:strVal val="visible"/>
+                                      </p:to>
+                                    </p:set>
+                                  </p:childTnLst>
+                                </p:cTn>
+                              </p:par>
+                            </p:childTnLst>
+                          </p:cTn>
+                        </p:par>
+                      </p:childTnLst>
+                    </p:cTn>
+                  </p:par>
+                  <p:par>
+                    <p:cTn id="29" fill="hold">
+                      <p:stCondLst>
+                        <p:cond delay="indefinite"/>
+                      </p:stCondLst>
+                      <p:childTnLst>
+                        <p:par>
+                          <p:cTn id="30" fill="hold">
+                            <p:stCondLst>
+                              <p:cond delay="0"/>
+                            </p:stCondLst>
+                            <p:childTnLst>
+                              <p:par>
+                                <p:cTn id="31" presetID="1" presetClass="entr" presetSubtype="0" fill="hold" grpId="0" nodeType="clickEffect">
+                                  <p:stCondLst>
+                                    <p:cond delay="0"/>
+                                  </p:stCondLst>
+                                  <p:childTnLst>
+                                    <p:set>
+                                      <p:cBhvr>
+                                        <p:cTn id="32" dur="1" fill="hold">
+                                          <p:stCondLst>
+                                            <p:cond delay="0"/>
+                                          </p:stCondLst>
+                                        </p:cTn>
+                                        <p:tgtEl>
+                                          <p:spTgt spid="3">
+                                            <p:txEl>
+                                              <p:pRg st="8" end="8"/>
                                             </p:txEl>
                                           </p:spTgt>
                                         </p:tgtEl>
@@ -27072,7 +27166,15 @@
             </a:r>
             <a:r>
               <a:rPr lang="en-US" dirty="0"/>
-              <a:t>: Find a solution (a plan) that </a:t>
+              <a:t>: Find a solution (a </a:t>
+            </a:r>
+            <a:r>
+              <a:rPr lang="en-US" b="1" dirty="0"/>
+              <a:t>plan</a:t>
+            </a:r>
+            <a:r>
+              <a:rPr lang="en-US" dirty="0"/>
+              <a:t>) that </a:t>
             </a:r>
             <a:r>
               <a:rPr lang="en-US" b="1" dirty="0">
